--- a/实习总结.pptx
+++ b/实习总结.pptx
@@ -13,6 +13,8 @@
     <p:sldId id="261" r:id="rId7"/>
     <p:sldId id="262" r:id="rId8"/>
     <p:sldId id="263" r:id="rId9"/>
+    <p:sldId id="264" r:id="rId10"/>
+    <p:sldId id="265" r:id="rId11"/>
   </p:sldIdLst>
   <p:sldSz cx="12192000" cy="6858000"/>
   <p:notesSz cx="6858000" cy="9144000"/>
@@ -111,6 +113,11 @@
       </a:defRPr>
     </a:lvl9pPr>
   </p:defaultTextStyle>
+  <p:extLst>
+    <p:ext uri="{EFAFB233-063F-42B5-8137-9DF3F51BA10A}">
+      <p15:sldGuideLst xmlns:p15="http://schemas.microsoft.com/office/powerpoint/2012/main"/>
+    </p:ext>
+  </p:extLst>
 </p:presentation>
 </file>
 
@@ -3636,6 +3643,446 @@
 </p:sld>
 </file>
 
+<file path=ppt/slides/slide10.xml><?xml version="1.0" encoding="utf-8"?>
+<p:sld xmlns:a="http://schemas.openxmlformats.org/drawingml/2006/main" xmlns:r="http://schemas.openxmlformats.org/officeDocument/2006/relationships" xmlns:p="http://schemas.openxmlformats.org/presentationml/2006/main">
+  <p:cSld>
+    <p:bg>
+      <p:bgPr>
+        <a:gradFill rotWithShape="1">
+          <a:gsLst>
+            <a:gs pos="0">
+              <a:schemeClr val="bg2">
+                <a:tint val="94000"/>
+                <a:satMod val="80000"/>
+                <a:lumMod val="106000"/>
+              </a:schemeClr>
+            </a:gs>
+            <a:gs pos="100000">
+              <a:schemeClr val="bg2">
+                <a:shade val="80000"/>
+              </a:schemeClr>
+            </a:gs>
+          </a:gsLst>
+          <a:path path="circle">
+            <a:fillToRect l="43000" r="43000" b="100000"/>
+          </a:path>
+        </a:gradFill>
+        <a:effectLst/>
+      </p:bgPr>
+    </p:bg>
+    <p:spTree>
+      <p:nvGrpSpPr>
+        <p:cNvPr id="1" name=""/>
+        <p:cNvGrpSpPr/>
+        <p:nvPr/>
+      </p:nvGrpSpPr>
+      <p:grpSpPr>
+        <a:xfrm>
+          <a:off x="0" y="0"/>
+          <a:ext cx="0" cy="0"/>
+          <a:chOff x="0" y="0"/>
+          <a:chExt cx="0" cy="0"/>
+        </a:xfrm>
+      </p:grpSpPr>
+      <p:sp useBgFill="1">
+        <p:nvSpPr>
+          <p:cNvPr id="10" name="Rectangle 9">
+            <a:extLst>
+              <a:ext uri="{FF2B5EF4-FFF2-40B4-BE49-F238E27FC236}">
+                <a16:creationId xmlns:a16="http://schemas.microsoft.com/office/drawing/2014/main" id="{35C3D674-3D59-4E93-80CA-0C0A9095E816}"/>
+              </a:ext>
+              <a:ext uri="{C183D7F6-B498-43B3-948B-1728B52AA6E4}">
+                <adec:decorative xmlns:adec="http://schemas.microsoft.com/office/drawing/2017/decorative" val="1"/>
+              </a:ext>
+            </a:extLst>
+          </p:cNvPr>
+          <p:cNvSpPr>
+            <a:spLocks noGrp="1" noRot="1" noChangeAspect="1" noMove="1" noResize="1" noEditPoints="1" noAdjustHandles="1" noChangeArrowheads="1" noChangeShapeType="1" noTextEdit="1"/>
+          </p:cNvSpPr>
+          <p:nvPr>
+            <p:extLst>
+              <p:ext uri="{386F3935-93C4-4BCD-93E2-E3B085C9AB24}">
+                <p16:designElem xmlns:p16="http://schemas.microsoft.com/office/powerpoint/2015/main" val="1"/>
+              </p:ext>
+            </p:extLst>
+          </p:nvPr>
+        </p:nvSpPr>
+        <p:spPr>
+          <a:xfrm>
+            <a:off x="2" y="0"/>
+            <a:ext cx="12191695" cy="6858000"/>
+          </a:xfrm>
+          <a:prstGeom prst="rect">
+            <a:avLst/>
+          </a:prstGeom>
+          <a:ln>
+            <a:noFill/>
+          </a:ln>
+        </p:spPr>
+        <p:style>
+          <a:lnRef idx="2">
+            <a:schemeClr val="accent1">
+              <a:shade val="50000"/>
+            </a:schemeClr>
+          </a:lnRef>
+          <a:fillRef idx="1">
+            <a:schemeClr val="accent1"/>
+          </a:fillRef>
+          <a:effectRef idx="0">
+            <a:schemeClr val="accent1"/>
+          </a:effectRef>
+          <a:fontRef idx="minor">
+            <a:schemeClr val="lt1"/>
+          </a:fontRef>
+        </p:style>
+        <p:txBody>
+          <a:bodyPr rtlCol="0" anchor="ctr"/>
+          <a:lstStyle/>
+          <a:p>
+            <a:pPr algn="ctr"/>
+            <a:endParaRPr lang="en-US"/>
+          </a:p>
+        </p:txBody>
+      </p:sp>
+      <p:cxnSp>
+        <p:nvCxnSpPr>
+          <p:cNvPr id="12" name="Straight Connector 11">
+            <a:extLst>
+              <a:ext uri="{FF2B5EF4-FFF2-40B4-BE49-F238E27FC236}">
+                <a16:creationId xmlns:a16="http://schemas.microsoft.com/office/drawing/2014/main" id="{C884B8F8-FDC9-498B-9960-5D7260AFCB03}"/>
+              </a:ext>
+              <a:ext uri="{C183D7F6-B498-43B3-948B-1728B52AA6E4}">
+                <adec:decorative xmlns:adec="http://schemas.microsoft.com/office/drawing/2017/decorative" val="1"/>
+              </a:ext>
+            </a:extLst>
+          </p:cNvPr>
+          <p:cNvCxnSpPr>
+            <a:cxnSpLocks noGrp="1" noRot="1" noChangeAspect="1" noMove="1" noResize="1" noEditPoints="1" noAdjustHandles="1" noChangeArrowheads="1" noChangeShapeType="1"/>
+          </p:cNvCxnSpPr>
+          <p:nvPr>
+            <p:extLst>
+              <p:ext uri="{386F3935-93C4-4BCD-93E2-E3B085C9AB24}">
+                <p16:designElem xmlns:p16="http://schemas.microsoft.com/office/powerpoint/2015/main" val="1"/>
+              </p:ext>
+            </p:extLst>
+          </p:nvPr>
+        </p:nvCxnSpPr>
+        <p:spPr>
+          <a:xfrm>
+            <a:off x="1453896" y="1847088"/>
+            <a:ext cx="4177373" cy="0"/>
+          </a:xfrm>
+          <a:prstGeom prst="line">
+            <a:avLst/>
+          </a:prstGeom>
+          <a:ln w="31750"/>
+        </p:spPr>
+        <p:style>
+          <a:lnRef idx="3">
+            <a:schemeClr val="accent1"/>
+          </a:lnRef>
+          <a:fillRef idx="0">
+            <a:schemeClr val="accent1"/>
+          </a:fillRef>
+          <a:effectRef idx="2">
+            <a:schemeClr val="accent1"/>
+          </a:effectRef>
+          <a:fontRef idx="minor">
+            <a:schemeClr val="tx1"/>
+          </a:fontRef>
+        </p:style>
+      </p:cxnSp>
+      <p:sp>
+        <p:nvSpPr>
+          <p:cNvPr id="2" name="标题 1">
+            <a:extLst>
+              <a:ext uri="{FF2B5EF4-FFF2-40B4-BE49-F238E27FC236}">
+                <a16:creationId xmlns:a16="http://schemas.microsoft.com/office/drawing/2014/main" id="{F20CB023-5D9E-A947-A39E-FAD6933548DC}"/>
+              </a:ext>
+            </a:extLst>
+          </p:cNvPr>
+          <p:cNvSpPr>
+            <a:spLocks noGrp="1"/>
+          </p:cNvSpPr>
+          <p:nvPr>
+            <p:ph type="title"/>
+          </p:nvPr>
+        </p:nvSpPr>
+        <p:spPr>
+          <a:xfrm>
+            <a:off x="1451580" y="804520"/>
+            <a:ext cx="4176511" cy="1049235"/>
+          </a:xfrm>
+        </p:spPr>
+        <p:txBody>
+          <a:bodyPr>
+            <a:normAutofit/>
+          </a:bodyPr>
+          <a:lstStyle/>
+          <a:p>
+            <a:endParaRPr kumimoji="1" lang="zh-CN" altLang="en-US" dirty="0"/>
+          </a:p>
+        </p:txBody>
+      </p:sp>
+      <p:sp>
+        <p:nvSpPr>
+          <p:cNvPr id="14" name="Rectangle 13">
+            <a:extLst>
+              <a:ext uri="{FF2B5EF4-FFF2-40B4-BE49-F238E27FC236}">
+                <a16:creationId xmlns:a16="http://schemas.microsoft.com/office/drawing/2014/main" id="{EF2A81E1-BCBE-426B-8C09-33274E69409D}"/>
+              </a:ext>
+              <a:ext uri="{C183D7F6-B498-43B3-948B-1728B52AA6E4}">
+                <adec:decorative xmlns:adec="http://schemas.microsoft.com/office/drawing/2017/decorative" val="1"/>
+              </a:ext>
+            </a:extLst>
+          </p:cNvPr>
+          <p:cNvSpPr>
+            <a:spLocks noGrp="1" noRot="1" noChangeAspect="1" noMove="1" noResize="1" noEditPoints="1" noAdjustHandles="1" noChangeArrowheads="1" noChangeShapeType="1" noTextEdit="1"/>
+          </p:cNvSpPr>
+          <p:nvPr>
+            <p:extLst>
+              <p:ext uri="{386F3935-93C4-4BCD-93E2-E3B085C9AB24}">
+                <p16:designElem xmlns:p16="http://schemas.microsoft.com/office/powerpoint/2015/main" val="1"/>
+              </p:ext>
+            </p:extLst>
+          </p:nvPr>
+        </p:nvSpPr>
+        <p:spPr>
+          <a:xfrm>
+            <a:off x="0" y="2019476"/>
+            <a:ext cx="12192000" cy="4105941"/>
+          </a:xfrm>
+          <a:prstGeom prst="rect">
+            <a:avLst/>
+          </a:prstGeom>
+          <a:gradFill flip="none" rotWithShape="1">
+            <a:gsLst>
+              <a:gs pos="0">
+                <a:schemeClr val="bg2">
+                  <a:alpha val="0"/>
+                </a:schemeClr>
+              </a:gs>
+              <a:gs pos="100000">
+                <a:schemeClr val="bg2"/>
+              </a:gs>
+            </a:gsLst>
+            <a:lin ang="5400000" scaled="0"/>
+            <a:tileRect/>
+          </a:gradFill>
+          <a:ln>
+            <a:noFill/>
+          </a:ln>
+        </p:spPr>
+        <p:style>
+          <a:lnRef idx="2">
+            <a:schemeClr val="accent1">
+              <a:shade val="50000"/>
+            </a:schemeClr>
+          </a:lnRef>
+          <a:fillRef idx="1">
+            <a:schemeClr val="accent1"/>
+          </a:fillRef>
+          <a:effectRef idx="0">
+            <a:schemeClr val="accent1"/>
+          </a:effectRef>
+          <a:fontRef idx="minor">
+            <a:schemeClr val="lt1"/>
+          </a:fontRef>
+        </p:style>
+        <p:txBody>
+          <a:bodyPr rtlCol="0" anchor="ctr"/>
+          <a:lstStyle/>
+          <a:p>
+            <a:pPr lvl="0" algn="ctr"/>
+            <a:endParaRPr lang="en-US"/>
+          </a:p>
+        </p:txBody>
+      </p:sp>
+      <p:sp>
+        <p:nvSpPr>
+          <p:cNvPr id="3" name="内容占位符 2">
+            <a:extLst>
+              <a:ext uri="{FF2B5EF4-FFF2-40B4-BE49-F238E27FC236}">
+                <a16:creationId xmlns:a16="http://schemas.microsoft.com/office/drawing/2014/main" id="{8B1BED8F-573C-D243-A645-FD9BACA0EB9D}"/>
+              </a:ext>
+            </a:extLst>
+          </p:cNvPr>
+          <p:cNvSpPr>
+            <a:spLocks noGrp="1"/>
+          </p:cNvSpPr>
+          <p:nvPr>
+            <p:ph idx="1"/>
+          </p:nvPr>
+        </p:nvSpPr>
+        <p:spPr>
+          <a:xfrm>
+            <a:off x="1451581" y="2015732"/>
+            <a:ext cx="4172212" cy="3450613"/>
+          </a:xfrm>
+        </p:spPr>
+        <p:txBody>
+          <a:bodyPr>
+            <a:normAutofit/>
+          </a:bodyPr>
+          <a:lstStyle/>
+          <a:p>
+            <a:r>
+              <a:rPr kumimoji="1" lang="zh-CN" altLang="en-US" dirty="0"/>
+              <a:t>谢谢</a:t>
+            </a:r>
+          </a:p>
+        </p:txBody>
+      </p:sp>
+      <p:pic>
+        <p:nvPicPr>
+          <p:cNvPr id="7" name="Graphic 6" descr="复选标记">
+            <a:extLst>
+              <a:ext uri="{FF2B5EF4-FFF2-40B4-BE49-F238E27FC236}">
+                <a16:creationId xmlns:a16="http://schemas.microsoft.com/office/drawing/2014/main" id="{E9CE0532-2A4F-45FC-AB57-9F85BCF9B9B0}"/>
+              </a:ext>
+            </a:extLst>
+          </p:cNvPr>
+          <p:cNvPicPr>
+            <a:picLocks noChangeAspect="1"/>
+          </p:cNvPicPr>
+          <p:nvPr/>
+        </p:nvPicPr>
+        <p:blipFill>
+          <a:blip r:embed="rId2">
+            <a:extLst>
+              <a:ext uri="{28A0092B-C50C-407E-A947-70E740481C1C}">
+                <a14:useLocalDpi xmlns:a14="http://schemas.microsoft.com/office/drawing/2010/main" val="0"/>
+              </a:ext>
+              <a:ext uri="{96DAC541-7B7A-43D3-8B79-37D633B846F1}">
+                <asvg:svgBlip xmlns:asvg="http://schemas.microsoft.com/office/drawing/2016/SVG/main" r:embed="rId3"/>
+              </a:ext>
+            </a:extLst>
+          </a:blip>
+          <a:stretch>
+            <a:fillRect/>
+          </a:stretch>
+        </p:blipFill>
+        <p:spPr>
+          <a:xfrm>
+            <a:off x="6244251" y="805583"/>
+            <a:ext cx="4660762" cy="4660762"/>
+          </a:xfrm>
+          <a:prstGeom prst="rect">
+            <a:avLst/>
+          </a:prstGeom>
+        </p:spPr>
+      </p:pic>
+      <p:pic>
+        <p:nvPicPr>
+          <p:cNvPr id="16" name="Picture 15">
+            <a:extLst>
+              <a:ext uri="{FF2B5EF4-FFF2-40B4-BE49-F238E27FC236}">
+                <a16:creationId xmlns:a16="http://schemas.microsoft.com/office/drawing/2014/main" id="{39D1DDD4-5BB3-45BA-B9B3-06B62299AD79}"/>
+              </a:ext>
+              <a:ext uri="{C183D7F6-B498-43B3-948B-1728B52AA6E4}">
+                <adec:decorative xmlns:adec="http://schemas.microsoft.com/office/drawing/2017/decorative" val="1"/>
+              </a:ext>
+            </a:extLst>
+          </p:cNvPr>
+          <p:cNvPicPr>
+            <a:picLocks noGrp="1" noRot="1" noChangeAspect="1" noMove="1" noResize="1" noEditPoints="1" noAdjustHandles="1" noChangeArrowheads="1" noChangeShapeType="1" noCrop="1"/>
+          </p:cNvPicPr>
+          <p:nvPr>
+            <p:extLst>
+              <p:ext uri="{386F3935-93C4-4BCD-93E2-E3B085C9AB24}">
+                <p16:designElem xmlns:p16="http://schemas.microsoft.com/office/powerpoint/2015/main" val="1"/>
+              </p:ext>
+            </p:extLst>
+          </p:nvPr>
+        </p:nvPicPr>
+        <p:blipFill rotWithShape="1">
+          <a:blip r:embed="rId4">
+            <a:extLst>
+              <a:ext uri="{28A0092B-C50C-407E-A947-70E740481C1C}">
+                <a14:useLocalDpi xmlns:a14="http://schemas.microsoft.com/office/drawing/2010/main" val="0"/>
+              </a:ext>
+            </a:extLst>
+          </a:blip>
+          <a:srcRect t="1538" b="-1538"/>
+          <a:stretch/>
+        </p:blipFill>
+        <p:spPr bwMode="black">
+          <a:xfrm>
+            <a:off x="0" y="6126480"/>
+            <a:ext cx="12192000" cy="742950"/>
+          </a:xfrm>
+          <a:prstGeom prst="rect">
+            <a:avLst/>
+          </a:prstGeom>
+        </p:spPr>
+      </p:pic>
+      <p:cxnSp>
+        <p:nvCxnSpPr>
+          <p:cNvPr id="18" name="Straight Connector 17">
+            <a:extLst>
+              <a:ext uri="{FF2B5EF4-FFF2-40B4-BE49-F238E27FC236}">
+                <a16:creationId xmlns:a16="http://schemas.microsoft.com/office/drawing/2014/main" id="{A24DAE64-2302-42EA-8239-F2F0775CA5AD}"/>
+              </a:ext>
+              <a:ext uri="{C183D7F6-B498-43B3-948B-1728B52AA6E4}">
+                <adec:decorative xmlns:adec="http://schemas.microsoft.com/office/drawing/2017/decorative" val="1"/>
+              </a:ext>
+            </a:extLst>
+          </p:cNvPr>
+          <p:cNvCxnSpPr>
+            <a:cxnSpLocks noGrp="1" noRot="1" noChangeAspect="1" noMove="1" noResize="1" noEditPoints="1" noAdjustHandles="1" noChangeArrowheads="1" noChangeShapeType="1"/>
+          </p:cNvCxnSpPr>
+          <p:nvPr>
+            <p:extLst>
+              <p:ext uri="{386F3935-93C4-4BCD-93E2-E3B085C9AB24}">
+                <p16:designElem xmlns:p16="http://schemas.microsoft.com/office/powerpoint/2015/main" val="1"/>
+              </p:ext>
+            </p:extLst>
+          </p:nvPr>
+        </p:nvCxnSpPr>
+        <p:spPr>
+          <a:xfrm>
+            <a:off x="0" y="6128413"/>
+            <a:ext cx="12192000" cy="0"/>
+          </a:xfrm>
+          <a:prstGeom prst="line">
+            <a:avLst/>
+          </a:prstGeom>
+          <a:ln w="12700">
+            <a:solidFill>
+              <a:srgbClr val="000001">
+                <a:alpha val="20000"/>
+              </a:srgbClr>
+            </a:solidFill>
+          </a:ln>
+        </p:spPr>
+        <p:style>
+          <a:lnRef idx="1">
+            <a:schemeClr val="accent1"/>
+          </a:lnRef>
+          <a:fillRef idx="0">
+            <a:schemeClr val="accent1"/>
+          </a:fillRef>
+          <a:effectRef idx="0">
+            <a:schemeClr val="accent1"/>
+          </a:effectRef>
+          <a:fontRef idx="minor">
+            <a:schemeClr val="tx1"/>
+          </a:fontRef>
+        </p:style>
+      </p:cxnSp>
+    </p:spTree>
+    <p:extLst>
+      <p:ext uri="{BB962C8B-B14F-4D97-AF65-F5344CB8AC3E}">
+        <p14:creationId xmlns:p14="http://schemas.microsoft.com/office/powerpoint/2010/main" val="1760104162"/>
+      </p:ext>
+    </p:extLst>
+  </p:cSld>
+  <p:clrMapOvr>
+    <a:masterClrMapping/>
+  </p:clrMapOvr>
+</p:sld>
+</file>
+
 <file path=ppt/slides/slide2.xml><?xml version="1.0" encoding="utf-8"?>
 <p:sld xmlns:a="http://schemas.openxmlformats.org/drawingml/2006/main" xmlns:r="http://schemas.openxmlformats.org/officeDocument/2006/relationships" xmlns:p="http://schemas.openxmlformats.org/presentationml/2006/main">
   <p:cSld>
@@ -4294,7 +4741,7 @@
         <p:spPr/>
         <p:txBody>
           <a:bodyPr>
-            <a:normAutofit fontScale="92500" lnSpcReduction="20000"/>
+            <a:normAutofit fontScale="85000" lnSpcReduction="20000"/>
           </a:bodyPr>
           <a:lstStyle/>
           <a:p>
@@ -4497,6 +4944,29 @@
             <a:r>
               <a:rPr kumimoji="1" lang="zh-CN" altLang="en-US" dirty="0"/>
               <a:t>依赖</a:t>
+            </a:r>
+            <a:endParaRPr kumimoji="1" lang="en-US" altLang="zh-CN" dirty="0"/>
+          </a:p>
+          <a:p>
+            <a:r>
+              <a:rPr kumimoji="1" lang="zh-CN" altLang="en-US" dirty="0"/>
+              <a:t>做了个商城抢购的小</a:t>
+            </a:r>
+            <a:r>
+              <a:rPr kumimoji="1" lang="en-US" altLang="zh-CN" dirty="0"/>
+              <a:t>demo</a:t>
+            </a:r>
+            <a:r>
+              <a:rPr kumimoji="1" lang="zh-CN" altLang="en-US" dirty="0"/>
+              <a:t>，使用</a:t>
+            </a:r>
+            <a:r>
+              <a:rPr kumimoji="1" lang="en-US" altLang="zh-CN" dirty="0" err="1"/>
+              <a:t>redis</a:t>
+            </a:r>
+            <a:r>
+              <a:rPr kumimoji="1" lang="zh-CN" altLang="en-US" dirty="0"/>
+              <a:t>缓存解决库存超卖</a:t>
             </a:r>
             <a:endParaRPr kumimoji="1" lang="en-US" altLang="zh-CN" dirty="0"/>
           </a:p>
@@ -4816,8 +5286,37 @@
           <a:p>
             <a:r>
               <a:rPr kumimoji="1" lang="zh-CN" altLang="en-US" dirty="0"/>
-              <a:t>感觉实习与</a:t>
-            </a:r>
+              <a:t>感觉实习与在学校学习差别不是很大</a:t>
+            </a:r>
+            <a:endParaRPr kumimoji="1" lang="en-US" altLang="zh-CN" dirty="0"/>
+          </a:p>
+          <a:p>
+            <a:r>
+              <a:rPr kumimoji="1" lang="zh-CN" altLang="en-US" dirty="0"/>
+              <a:t>学的比较杂，很多底层原理不是很清楚，后续春招等估计得补底层知识</a:t>
+            </a:r>
+            <a:endParaRPr kumimoji="1" lang="en-US" altLang="zh-CN" dirty="0"/>
+          </a:p>
+          <a:p>
+            <a:r>
+              <a:rPr kumimoji="1" lang="zh-CN" altLang="en-US" dirty="0"/>
+              <a:t>没有用到算法相关知识，实现逻辑还是比较简单</a:t>
+            </a:r>
+            <a:endParaRPr kumimoji="1" lang="en-US" altLang="zh-CN" dirty="0"/>
+          </a:p>
+          <a:p>
+            <a:r>
+              <a:rPr kumimoji="1" lang="zh-CN" altLang="en-US" dirty="0"/>
+              <a:t>不记得高阶语法，估计得多写点代码</a:t>
+            </a:r>
+            <a:endParaRPr kumimoji="1" lang="en-US" altLang="zh-CN" dirty="0"/>
+          </a:p>
+          <a:p>
+            <a:r>
+              <a:rPr kumimoji="1" lang="zh-CN" altLang="en-US" dirty="0"/>
+              <a:t>自己写的代码健壮性不高，还是想的不够多</a:t>
+            </a:r>
+            <a:endParaRPr kumimoji="1" lang="en-US" altLang="zh-CN" dirty="0"/>
           </a:p>
         </p:txBody>
       </p:sp>
@@ -4825,6 +5324,100 @@
     <p:extLst>
       <p:ext uri="{BB962C8B-B14F-4D97-AF65-F5344CB8AC3E}">
         <p14:creationId xmlns:p14="http://schemas.microsoft.com/office/powerpoint/2010/main" val="2845333367"/>
+      </p:ext>
+    </p:extLst>
+  </p:cSld>
+  <p:clrMapOvr>
+    <a:masterClrMapping/>
+  </p:clrMapOvr>
+</p:sld>
+</file>
+
+<file path=ppt/slides/slide9.xml><?xml version="1.0" encoding="utf-8"?>
+<p:sld xmlns:a="http://schemas.openxmlformats.org/drawingml/2006/main" xmlns:r="http://schemas.openxmlformats.org/officeDocument/2006/relationships" xmlns:p="http://schemas.openxmlformats.org/presentationml/2006/main">
+  <p:cSld>
+    <p:spTree>
+      <p:nvGrpSpPr>
+        <p:cNvPr id="1" name=""/>
+        <p:cNvGrpSpPr/>
+        <p:nvPr/>
+      </p:nvGrpSpPr>
+      <p:grpSpPr>
+        <a:xfrm>
+          <a:off x="0" y="0"/>
+          <a:ext cx="0" cy="0"/>
+          <a:chOff x="0" y="0"/>
+          <a:chExt cx="0" cy="0"/>
+        </a:xfrm>
+      </p:grpSpPr>
+      <p:sp>
+        <p:nvSpPr>
+          <p:cNvPr id="2" name="标题 1">
+            <a:extLst>
+              <a:ext uri="{FF2B5EF4-FFF2-40B4-BE49-F238E27FC236}">
+                <a16:creationId xmlns:a16="http://schemas.microsoft.com/office/drawing/2014/main" id="{60752593-6DA4-AC42-82E8-B38A35121EE5}"/>
+              </a:ext>
+            </a:extLst>
+          </p:cNvPr>
+          <p:cNvSpPr>
+            <a:spLocks noGrp="1"/>
+          </p:cNvSpPr>
+          <p:nvPr>
+            <p:ph type="title"/>
+          </p:nvPr>
+        </p:nvSpPr>
+        <p:spPr/>
+        <p:txBody>
+          <a:bodyPr/>
+          <a:lstStyle/>
+          <a:p>
+            <a:r>
+              <a:rPr kumimoji="1" lang="zh-CN" altLang="en-US" dirty="0"/>
+              <a:t>还有啥</a:t>
+            </a:r>
+          </a:p>
+        </p:txBody>
+      </p:sp>
+      <p:sp>
+        <p:nvSpPr>
+          <p:cNvPr id="3" name="内容占位符 2">
+            <a:extLst>
+              <a:ext uri="{FF2B5EF4-FFF2-40B4-BE49-F238E27FC236}">
+                <a16:creationId xmlns:a16="http://schemas.microsoft.com/office/drawing/2014/main" id="{4077A30A-AABA-FF4D-B6E5-4B382E812C0F}"/>
+              </a:ext>
+            </a:extLst>
+          </p:cNvPr>
+          <p:cNvSpPr>
+            <a:spLocks noGrp="1"/>
+          </p:cNvSpPr>
+          <p:nvPr>
+            <p:ph idx="1"/>
+          </p:nvPr>
+        </p:nvSpPr>
+        <p:spPr/>
+        <p:txBody>
+          <a:bodyPr/>
+          <a:lstStyle/>
+          <a:p>
+            <a:r>
+              <a:rPr kumimoji="1" lang="zh-CN" altLang="en-US" dirty="0"/>
+              <a:t>春招临近，得背面经，还要复习</a:t>
+            </a:r>
+            <a:r>
+              <a:rPr kumimoji="1" lang="zh-CN" altLang="en-US"/>
+              <a:t>算法，刷题，</a:t>
+            </a:r>
+            <a:r>
+              <a:rPr kumimoji="1" lang="zh-CN" altLang="en-US" dirty="0"/>
+              <a:t>所以得结束实习了，感谢各位这一个月来的帮助</a:t>
+            </a:r>
+          </a:p>
+        </p:txBody>
+      </p:sp>
+    </p:spTree>
+    <p:extLst>
+      <p:ext uri="{BB962C8B-B14F-4D97-AF65-F5344CB8AC3E}">
+        <p14:creationId xmlns:p14="http://schemas.microsoft.com/office/powerpoint/2010/main" val="1770020889"/>
       </p:ext>
     </p:extLst>
   </p:cSld>
